--- a/manuscript/Revised/Final_Figure/Fig10_new.pptx
+++ b/manuscript/Revised/Final_Figure/Fig10_new.pptx
@@ -197,7 +197,7 @@
           <a:p>
             <a:fld id="{7384DCB3-15F9-4D74-B850-4C5894CDF6AA}" type="datetimeFigureOut">
               <a:rPr lang="fi-FI" smtClean="0"/>
-              <a:t>16.10.2024</a:t>
+              <a:t>25.10.2024</a:t>
             </a:fld>
             <a:endParaRPr lang="fi-FI"/>
           </a:p>
@@ -685,7 +685,7 @@
           <a:p>
             <a:fld id="{0C1570F5-9FB1-4A3B-864E-33D212171B2E}" type="datetimeFigureOut">
               <a:rPr lang="fi-FI" smtClean="0"/>
-              <a:t>16.10.2024</a:t>
+              <a:t>25.10.2024</a:t>
             </a:fld>
             <a:endParaRPr lang="fi-FI"/>
           </a:p>
@@ -855,7 +855,7 @@
           <a:p>
             <a:fld id="{0C1570F5-9FB1-4A3B-864E-33D212171B2E}" type="datetimeFigureOut">
               <a:rPr lang="fi-FI" smtClean="0"/>
-              <a:t>16.10.2024</a:t>
+              <a:t>25.10.2024</a:t>
             </a:fld>
             <a:endParaRPr lang="fi-FI"/>
           </a:p>
@@ -1035,7 +1035,7 @@
           <a:p>
             <a:fld id="{0C1570F5-9FB1-4A3B-864E-33D212171B2E}" type="datetimeFigureOut">
               <a:rPr lang="fi-FI" smtClean="0"/>
-              <a:t>16.10.2024</a:t>
+              <a:t>25.10.2024</a:t>
             </a:fld>
             <a:endParaRPr lang="fi-FI"/>
           </a:p>
@@ -1393,7 +1393,7 @@
           <a:p>
             <a:fld id="{0C1570F5-9FB1-4A3B-864E-33D212171B2E}" type="datetimeFigureOut">
               <a:rPr lang="fi-FI" smtClean="0"/>
-              <a:t>16.10.2024</a:t>
+              <a:t>25.10.2024</a:t>
             </a:fld>
             <a:endParaRPr lang="fi-FI"/>
           </a:p>
@@ -1639,7 +1639,7 @@
           <a:p>
             <a:fld id="{0C1570F5-9FB1-4A3B-864E-33D212171B2E}" type="datetimeFigureOut">
               <a:rPr lang="fi-FI" smtClean="0"/>
-              <a:t>16.10.2024</a:t>
+              <a:t>25.10.2024</a:t>
             </a:fld>
             <a:endParaRPr lang="fi-FI"/>
           </a:p>
@@ -1871,7 +1871,7 @@
           <a:p>
             <a:fld id="{0C1570F5-9FB1-4A3B-864E-33D212171B2E}" type="datetimeFigureOut">
               <a:rPr lang="fi-FI" smtClean="0"/>
-              <a:t>16.10.2024</a:t>
+              <a:t>25.10.2024</a:t>
             </a:fld>
             <a:endParaRPr lang="fi-FI"/>
           </a:p>
@@ -2238,7 +2238,7 @@
           <a:p>
             <a:fld id="{0C1570F5-9FB1-4A3B-864E-33D212171B2E}" type="datetimeFigureOut">
               <a:rPr lang="fi-FI" smtClean="0"/>
-              <a:t>16.10.2024</a:t>
+              <a:t>25.10.2024</a:t>
             </a:fld>
             <a:endParaRPr lang="fi-FI"/>
           </a:p>
@@ -2356,7 +2356,7 @@
           <a:p>
             <a:fld id="{0C1570F5-9FB1-4A3B-864E-33D212171B2E}" type="datetimeFigureOut">
               <a:rPr lang="fi-FI" smtClean="0"/>
-              <a:t>16.10.2024</a:t>
+              <a:t>25.10.2024</a:t>
             </a:fld>
             <a:endParaRPr lang="fi-FI"/>
           </a:p>
@@ -2451,7 +2451,7 @@
           <a:p>
             <a:fld id="{0C1570F5-9FB1-4A3B-864E-33D212171B2E}" type="datetimeFigureOut">
               <a:rPr lang="fi-FI" smtClean="0"/>
-              <a:t>16.10.2024</a:t>
+              <a:t>25.10.2024</a:t>
             </a:fld>
             <a:endParaRPr lang="fi-FI"/>
           </a:p>
@@ -2728,7 +2728,7 @@
           <a:p>
             <a:fld id="{0C1570F5-9FB1-4A3B-864E-33D212171B2E}" type="datetimeFigureOut">
               <a:rPr lang="fi-FI" smtClean="0"/>
-              <a:t>16.10.2024</a:t>
+              <a:t>25.10.2024</a:t>
             </a:fld>
             <a:endParaRPr lang="fi-FI"/>
           </a:p>
@@ -2981,7 +2981,7 @@
           <a:p>
             <a:fld id="{0C1570F5-9FB1-4A3B-864E-33D212171B2E}" type="datetimeFigureOut">
               <a:rPr lang="fi-FI" smtClean="0"/>
-              <a:t>16.10.2024</a:t>
+              <a:t>25.10.2024</a:t>
             </a:fld>
             <a:endParaRPr lang="fi-FI"/>
           </a:p>
@@ -3194,7 +3194,7 @@
           <a:p>
             <a:fld id="{0C1570F5-9FB1-4A3B-864E-33D212171B2E}" type="datetimeFigureOut">
               <a:rPr lang="fi-FI" smtClean="0"/>
-              <a:t>16.10.2024</a:t>
+              <a:t>25.10.2024</a:t>
             </a:fld>
             <a:endParaRPr lang="fi-FI"/>
           </a:p>
@@ -4862,7 +4862,7 @@
         </p:nvGrpSpPr>
         <p:grpSpPr>
           <a:xfrm>
-            <a:off x="230717" y="217495"/>
+            <a:off x="3879525" y="217495"/>
             <a:ext cx="3212938" cy="1853474"/>
             <a:chOff x="114120" y="264240"/>
             <a:chExt cx="4224240" cy="2521440"/>
@@ -5027,177 +5027,6 @@
       </p:grpSp>
       <p:grpSp>
         <p:nvGrpSpPr>
-          <p:cNvPr id="80" name="Group 123"/>
-          <p:cNvGrpSpPr/>
-          <p:nvPr/>
-        </p:nvGrpSpPr>
-        <p:grpSpPr>
-          <a:xfrm>
-            <a:off x="3796811" y="190336"/>
-            <a:ext cx="3342130" cy="1939036"/>
-            <a:chOff x="4548960" y="232200"/>
-            <a:chExt cx="4287960" cy="2601360"/>
-          </a:xfrm>
-        </p:grpSpPr>
-        <p:pic>
-          <p:nvPicPr>
-            <p:cNvPr id="81" name="Picture 119"/>
-            <p:cNvPicPr/>
-            <p:nvPr/>
-          </p:nvPicPr>
-          <p:blipFill>
-            <a:blip r:embed="rId7"/>
-            <a:stretch/>
-          </p:blipFill>
-          <p:spPr>
-            <a:xfrm>
-              <a:off x="4548960" y="232200"/>
-              <a:ext cx="4287960" cy="2601360"/>
-            </a:xfrm>
-            <a:prstGeom prst="rect">
-              <a:avLst/>
-            </a:prstGeom>
-            <a:ln w="0">
-              <a:noFill/>
-            </a:ln>
-          </p:spPr>
-        </p:pic>
-        <p:grpSp>
-          <p:nvGrpSpPr>
-            <p:cNvPr id="82" name="Group 120"/>
-            <p:cNvGrpSpPr/>
-            <p:nvPr/>
-          </p:nvGrpSpPr>
-          <p:grpSpPr>
-            <a:xfrm>
-              <a:off x="5622380" y="659720"/>
-              <a:ext cx="1684278" cy="1095861"/>
-              <a:chOff x="5622380" y="659720"/>
-              <a:chExt cx="1684278" cy="1095861"/>
-            </a:xfrm>
-          </p:grpSpPr>
-          <p:sp>
-            <p:nvSpPr>
-              <p:cNvPr id="83" name="TextBox 121"/>
-              <p:cNvSpPr/>
-              <p:nvPr/>
-            </p:nvSpPr>
-            <p:spPr>
-              <a:xfrm>
-                <a:off x="6123959" y="1480160"/>
-                <a:ext cx="1182699" cy="275421"/>
-              </a:xfrm>
-              <a:prstGeom prst="rect">
-                <a:avLst/>
-              </a:prstGeom>
-              <a:noFill/>
-              <a:ln w="0">
-                <a:noFill/>
-              </a:ln>
-            </p:spPr>
-            <p:style>
-              <a:lnRef idx="0">
-                <a:scrgbClr r="0" g="0" b="0"/>
-              </a:lnRef>
-              <a:fillRef idx="0">
-                <a:scrgbClr r="0" g="0" b="0"/>
-              </a:fillRef>
-              <a:effectRef idx="0">
-                <a:scrgbClr r="0" g="0" b="0"/>
-              </a:effectRef>
-              <a:fontRef idx="minor"/>
-            </p:style>
-            <p:txBody>
-              <a:bodyPr wrap="none" lIns="61228" tIns="30614" rIns="61228" bIns="30614" anchor="t">
-                <a:spAutoFit/>
-              </a:bodyPr>
-              <a:lstStyle/>
-              <a:p>
-                <a:pPr>
-                  <a:lnSpc>
-                    <a:spcPct val="100000"/>
-                  </a:lnSpc>
-                  <a:buNone/>
-                </a:pPr>
-                <a:r>
-                  <a:rPr lang="en-US" sz="816" b="1" spc="-1" dirty="0">
-                    <a:solidFill>
-                      <a:srgbClr val="000000"/>
-                    </a:solidFill>
-                    <a:latin typeface="Arial"/>
-                    <a:ea typeface="DejaVu Sans"/>
-                  </a:rPr>
-                  <a:t>99 (94.6 - 100)</a:t>
-                </a:r>
-                <a:endParaRPr lang="en-GB" sz="816" spc="-1" dirty="0">
-                  <a:latin typeface="Arial"/>
-                </a:endParaRPr>
-              </a:p>
-            </p:txBody>
-          </p:sp>
-          <p:sp>
-            <p:nvSpPr>
-              <p:cNvPr id="84" name="TextBox 122"/>
-              <p:cNvSpPr/>
-              <p:nvPr/>
-            </p:nvSpPr>
-            <p:spPr>
-              <a:xfrm>
-                <a:off x="5622380" y="659720"/>
-                <a:ext cx="1224923" cy="275421"/>
-              </a:xfrm>
-              <a:prstGeom prst="rect">
-                <a:avLst/>
-              </a:prstGeom>
-              <a:noFill/>
-              <a:ln w="0">
-                <a:noFill/>
-              </a:ln>
-            </p:spPr>
-            <p:style>
-              <a:lnRef idx="0">
-                <a:scrgbClr r="0" g="0" b="0"/>
-              </a:lnRef>
-              <a:fillRef idx="0">
-                <a:scrgbClr r="0" g="0" b="0"/>
-              </a:fillRef>
-              <a:effectRef idx="0">
-                <a:scrgbClr r="0" g="0" b="0"/>
-              </a:effectRef>
-              <a:fontRef idx="minor"/>
-            </p:style>
-            <p:txBody>
-              <a:bodyPr wrap="none" lIns="61228" tIns="30614" rIns="61228" bIns="30614" anchor="t">
-                <a:spAutoFit/>
-              </a:bodyPr>
-              <a:lstStyle/>
-              <a:p>
-                <a:pPr>
-                  <a:lnSpc>
-                    <a:spcPct val="100000"/>
-                  </a:lnSpc>
-                  <a:buNone/>
-                </a:pPr>
-                <a:r>
-                  <a:rPr lang="en-US" sz="816" b="1" spc="-1" dirty="0">
-                    <a:solidFill>
-                      <a:srgbClr val="000000"/>
-                    </a:solidFill>
-                    <a:latin typeface="Arial"/>
-                    <a:ea typeface="DejaVu Sans"/>
-                  </a:rPr>
-                  <a:t>97 (91.5 - 99.4)</a:t>
-                </a:r>
-                <a:endParaRPr lang="en-GB" sz="816" spc="-1" dirty="0">
-                  <a:latin typeface="Arial"/>
-                </a:endParaRPr>
-              </a:p>
-            </p:txBody>
-          </p:sp>
-        </p:grpSp>
-      </p:grpSp>
-      <p:grpSp>
-        <p:nvGrpSpPr>
           <p:cNvPr id="85" name="Group 133"/>
           <p:cNvGrpSpPr/>
           <p:nvPr/>
@@ -5217,7 +5046,7 @@
             <p:nvPr/>
           </p:nvPicPr>
           <p:blipFill>
-            <a:blip r:embed="rId8"/>
+            <a:blip r:embed="rId7"/>
             <a:stretch/>
           </p:blipFill>
           <p:spPr>
@@ -5388,7 +5217,7 @@
             <p:nvPr/>
           </p:nvPicPr>
           <p:blipFill>
-            <a:blip r:embed="rId9"/>
+            <a:blip r:embed="rId8"/>
             <a:stretch/>
           </p:blipFill>
           <p:spPr>
@@ -5545,7 +5374,7 @@
           <p:nvPr/>
         </p:nvPicPr>
         <p:blipFill>
-          <a:blip r:embed="rId10"/>
+          <a:blip r:embed="rId9"/>
           <a:stretch/>
         </p:blipFill>
         <p:spPr>
@@ -5568,7 +5397,7 @@
           <p:nvPr/>
         </p:nvPicPr>
         <p:blipFill>
-          <a:blip r:embed="rId11"/>
+          <a:blip r:embed="rId10"/>
           <a:stretch/>
         </p:blipFill>
         <p:spPr>
@@ -5591,7 +5420,7 @@
           <p:nvPr/>
         </p:nvPicPr>
         <p:blipFill rotWithShape="1">
-          <a:blip r:embed="rId12"/>
+          <a:blip r:embed="rId11"/>
           <a:srcRect b="7215"/>
           <a:stretch/>
         </p:blipFill>
@@ -5617,7 +5446,7 @@
           <p:nvPr/>
         </p:nvPicPr>
         <p:blipFill>
-          <a:blip r:embed="rId13"/>
+          <a:blip r:embed="rId12"/>
           <a:stretch>
             <a:fillRect/>
           </a:stretch>
@@ -5710,7 +5539,7 @@
           <p:nvPr/>
         </p:nvPicPr>
         <p:blipFill>
-          <a:blip r:embed="rId14"/>
+          <a:blip r:embed="rId13"/>
           <a:stretch>
             <a:fillRect/>
           </a:stretch>
@@ -5803,7 +5632,7 @@
           <p:nvPr/>
         </p:nvPicPr>
         <p:blipFill>
-          <a:blip r:embed="rId15"/>
+          <a:blip r:embed="rId14"/>
           <a:stretch>
             <a:fillRect/>
           </a:stretch>
@@ -6293,7 +6122,7 @@
           <p:nvPr/>
         </p:nvPicPr>
         <p:blipFill>
-          <a:blip r:embed="rId16"/>
+          <a:blip r:embed="rId15"/>
           <a:stretch>
             <a:fillRect/>
           </a:stretch>
@@ -6317,7 +6146,7 @@
           <p:nvPr/>
         </p:nvPicPr>
         <p:blipFill>
-          <a:blip r:embed="rId17"/>
+          <a:blip r:embed="rId16"/>
           <a:stretch>
             <a:fillRect/>
           </a:stretch>
@@ -6341,7 +6170,7 @@
           <p:nvPr/>
         </p:nvPicPr>
         <p:blipFill>
-          <a:blip r:embed="rId18"/>
+          <a:blip r:embed="rId17"/>
           <a:stretch>
             <a:fillRect/>
           </a:stretch>
@@ -6365,7 +6194,7 @@
           <p:nvPr/>
         </p:nvPicPr>
         <p:blipFill>
-          <a:blip r:embed="rId19"/>
+          <a:blip r:embed="rId18"/>
           <a:stretch>
             <a:fillRect/>
           </a:stretch>
@@ -6389,7 +6218,7 @@
           <p:nvPr/>
         </p:nvPicPr>
         <p:blipFill>
-          <a:blip r:embed="rId20"/>
+          <a:blip r:embed="rId19"/>
           <a:stretch>
             <a:fillRect/>
           </a:stretch>
@@ -6413,7 +6242,7 @@
           <p:nvPr/>
         </p:nvPicPr>
         <p:blipFill>
-          <a:blip r:embed="rId21"/>
+          <a:blip r:embed="rId20"/>
           <a:stretch>
             <a:fillRect/>
           </a:stretch>
@@ -6569,6 +6398,177 @@
           </a:p>
         </p:txBody>
       </p:sp>
+      <p:grpSp>
+        <p:nvGrpSpPr>
+          <p:cNvPr id="111" name="Group 123"/>
+          <p:cNvGrpSpPr/>
+          <p:nvPr/>
+        </p:nvGrpSpPr>
+        <p:grpSpPr>
+          <a:xfrm>
+            <a:off x="209551" y="190336"/>
+            <a:ext cx="3342130" cy="1939035"/>
+            <a:chOff x="4548960" y="232200"/>
+            <a:chExt cx="4287960" cy="2601360"/>
+          </a:xfrm>
+        </p:grpSpPr>
+        <p:pic>
+          <p:nvPicPr>
+            <p:cNvPr id="112" name="Picture 119"/>
+            <p:cNvPicPr/>
+            <p:nvPr/>
+          </p:nvPicPr>
+          <p:blipFill>
+            <a:blip r:embed="rId21"/>
+            <a:stretch/>
+          </p:blipFill>
+          <p:spPr>
+            <a:xfrm>
+              <a:off x="4548960" y="232200"/>
+              <a:ext cx="4287960" cy="2601360"/>
+            </a:xfrm>
+            <a:prstGeom prst="rect">
+              <a:avLst/>
+            </a:prstGeom>
+            <a:ln w="0">
+              <a:noFill/>
+            </a:ln>
+          </p:spPr>
+        </p:pic>
+        <p:grpSp>
+          <p:nvGrpSpPr>
+            <p:cNvPr id="113" name="Group 120"/>
+            <p:cNvGrpSpPr/>
+            <p:nvPr/>
+          </p:nvGrpSpPr>
+          <p:grpSpPr>
+            <a:xfrm>
+              <a:off x="5622380" y="659720"/>
+              <a:ext cx="1684278" cy="1095861"/>
+              <a:chOff x="5622380" y="659720"/>
+              <a:chExt cx="1684278" cy="1095861"/>
+            </a:xfrm>
+          </p:grpSpPr>
+          <p:sp>
+            <p:nvSpPr>
+              <p:cNvPr id="114" name="TextBox 121"/>
+              <p:cNvSpPr/>
+              <p:nvPr/>
+            </p:nvSpPr>
+            <p:spPr>
+              <a:xfrm>
+                <a:off x="6123959" y="1480160"/>
+                <a:ext cx="1182699" cy="275421"/>
+              </a:xfrm>
+              <a:prstGeom prst="rect">
+                <a:avLst/>
+              </a:prstGeom>
+              <a:noFill/>
+              <a:ln w="0">
+                <a:noFill/>
+              </a:ln>
+            </p:spPr>
+            <p:style>
+              <a:lnRef idx="0">
+                <a:scrgbClr r="0" g="0" b="0"/>
+              </a:lnRef>
+              <a:fillRef idx="0">
+                <a:scrgbClr r="0" g="0" b="0"/>
+              </a:fillRef>
+              <a:effectRef idx="0">
+                <a:scrgbClr r="0" g="0" b="0"/>
+              </a:effectRef>
+              <a:fontRef idx="minor"/>
+            </p:style>
+            <p:txBody>
+              <a:bodyPr wrap="none" lIns="61228" tIns="30614" rIns="61228" bIns="30614" anchor="t">
+                <a:spAutoFit/>
+              </a:bodyPr>
+              <a:lstStyle/>
+              <a:p>
+                <a:pPr>
+                  <a:lnSpc>
+                    <a:spcPct val="100000"/>
+                  </a:lnSpc>
+                  <a:buNone/>
+                </a:pPr>
+                <a:r>
+                  <a:rPr lang="en-US" sz="816" b="1" spc="-1" dirty="0">
+                    <a:solidFill>
+                      <a:srgbClr val="000000"/>
+                    </a:solidFill>
+                    <a:latin typeface="Arial"/>
+                    <a:ea typeface="DejaVu Sans"/>
+                  </a:rPr>
+                  <a:t>99 (94.6 - 100)</a:t>
+                </a:r>
+                <a:endParaRPr lang="en-GB" sz="816" spc="-1" dirty="0">
+                  <a:latin typeface="Arial"/>
+                </a:endParaRPr>
+              </a:p>
+            </p:txBody>
+          </p:sp>
+          <p:sp>
+            <p:nvSpPr>
+              <p:cNvPr id="115" name="TextBox 122"/>
+              <p:cNvSpPr/>
+              <p:nvPr/>
+            </p:nvSpPr>
+            <p:spPr>
+              <a:xfrm>
+                <a:off x="5622380" y="659720"/>
+                <a:ext cx="1224923" cy="275421"/>
+              </a:xfrm>
+              <a:prstGeom prst="rect">
+                <a:avLst/>
+              </a:prstGeom>
+              <a:noFill/>
+              <a:ln w="0">
+                <a:noFill/>
+              </a:ln>
+            </p:spPr>
+            <p:style>
+              <a:lnRef idx="0">
+                <a:scrgbClr r="0" g="0" b="0"/>
+              </a:lnRef>
+              <a:fillRef idx="0">
+                <a:scrgbClr r="0" g="0" b="0"/>
+              </a:fillRef>
+              <a:effectRef idx="0">
+                <a:scrgbClr r="0" g="0" b="0"/>
+              </a:effectRef>
+              <a:fontRef idx="minor"/>
+            </p:style>
+            <p:txBody>
+              <a:bodyPr wrap="none" lIns="61228" tIns="30614" rIns="61228" bIns="30614" anchor="t">
+                <a:spAutoFit/>
+              </a:bodyPr>
+              <a:lstStyle/>
+              <a:p>
+                <a:pPr>
+                  <a:lnSpc>
+                    <a:spcPct val="100000"/>
+                  </a:lnSpc>
+                  <a:buNone/>
+                </a:pPr>
+                <a:r>
+                  <a:rPr lang="en-US" sz="816" b="1" spc="-1" dirty="0">
+                    <a:solidFill>
+                      <a:srgbClr val="000000"/>
+                    </a:solidFill>
+                    <a:latin typeface="Arial"/>
+                    <a:ea typeface="DejaVu Sans"/>
+                  </a:rPr>
+                  <a:t>97 (91.5 - 99.4)</a:t>
+                </a:r>
+                <a:endParaRPr lang="en-GB" sz="816" spc="-1" dirty="0">
+                  <a:latin typeface="Arial"/>
+                </a:endParaRPr>
+              </a:p>
+            </p:txBody>
+          </p:sp>
+        </p:grpSp>
+      </p:grpSp>
     </p:spTree>
     <p:extLst>
       <p:ext uri="{BB962C8B-B14F-4D97-AF65-F5344CB8AC3E}">
@@ -6583,7 +6583,7 @@
     <mc:Choice Requires="p14">
       <p:transition spd="slow" p14:dur="2000"/>
     </mc:Choice>
-    <mc:Fallback xmlns:p15="http://schemas.microsoft.com/office/powerpoint/2012/main" xmlns="">
+    <mc:Fallback xmlns="" xmlns:p15="http://schemas.microsoft.com/office/powerpoint/2012/main">
       <p:transition spd="slow"/>
     </mc:Fallback>
   </mc:AlternateContent>
